--- a/Budweiser Data Analysis_Final_Paul Huggins.pptx
+++ b/Budweiser Data Analysis_Final_Paul Huggins.pptx
@@ -361,7 +361,7 @@
           <a:p>
             <a:fld id="{ED291B17-9318-49DB-B28B-6E5994AE9581}" type="datetime1">
               <a:rPr lang="en-US" smtClean="0"/>
-              <a:t>2/27/2020</a:t>
+              <a:t>3/2/2020</a:t>
             </a:fld>
             <a:endParaRPr lang="en-US" dirty="0"/>
           </a:p>
@@ -594,7 +594,7 @@
           <a:p>
             <a:fld id="{2CED4963-E985-44C4-B8C4-FDD613B7C2F8}" type="datetime1">
               <a:rPr lang="en-US" smtClean="0"/>
-              <a:t>2/27/2020</a:t>
+              <a:t>3/2/2020</a:t>
             </a:fld>
             <a:endParaRPr lang="en-US" dirty="0"/>
           </a:p>
@@ -986,7 +986,7 @@
           <a:p>
             <a:fld id="{ED291B17-9318-49DB-B28B-6E5994AE9581}" type="datetime1">
               <a:rPr lang="en-US" smtClean="0"/>
-              <a:t>2/27/2020</a:t>
+              <a:t>3/2/2020</a:t>
             </a:fld>
             <a:endParaRPr lang="en-US" dirty="0"/>
           </a:p>
@@ -1214,7 +1214,7 @@
           <a:p>
             <a:fld id="{78DD82B9-B8EE-4375-B6FF-88FA6ABB15D9}" type="datetime1">
               <a:rPr lang="en-US" smtClean="0"/>
-              <a:t>2/27/2020</a:t>
+              <a:t>3/2/2020</a:t>
             </a:fld>
             <a:endParaRPr lang="en-US" dirty="0"/>
           </a:p>
@@ -1556,7 +1556,7 @@
           <a:p>
             <a:fld id="{B2497495-0637-405E-AE64-5CC7506D51F5}" type="datetime1">
               <a:rPr lang="en-US" smtClean="0"/>
-              <a:t>2/27/2020</a:t>
+              <a:t>3/2/2020</a:t>
             </a:fld>
             <a:endParaRPr lang="en-US" dirty="0"/>
           </a:p>
@@ -1879,7 +1879,7 @@
           <a:p>
             <a:fld id="{7BFFD690-9426-415D-8B65-26881E07B2D4}" type="datetime1">
               <a:rPr lang="en-US" smtClean="0"/>
-              <a:t>2/27/2020</a:t>
+              <a:t>3/2/2020</a:t>
             </a:fld>
             <a:endParaRPr lang="en-US" dirty="0"/>
           </a:p>
@@ -2331,7 +2331,7 @@
           <a:p>
             <a:fld id="{04C4989A-474C-40DE-95B9-011C28B71673}" type="datetime1">
               <a:rPr lang="en-US" smtClean="0"/>
-              <a:t>2/27/2020</a:t>
+              <a:t>3/2/2020</a:t>
             </a:fld>
             <a:endParaRPr lang="en-US" dirty="0"/>
           </a:p>
@@ -2484,7 +2484,7 @@
           <a:p>
             <a:fld id="{5DB4ED54-5B5E-4A04-93D3-5772E3CE3818}" type="datetime1">
               <a:rPr lang="en-US" smtClean="0"/>
-              <a:t>2/27/2020</a:t>
+              <a:t>3/2/2020</a:t>
             </a:fld>
             <a:endParaRPr lang="en-US" dirty="0"/>
           </a:p>
@@ -2609,7 +2609,7 @@
           <a:p>
             <a:fld id="{4EDE50D6-574B-40AF-946F-D52A04ADE379}" type="datetime1">
               <a:rPr lang="en-US" smtClean="0"/>
-              <a:t>2/27/2020</a:t>
+              <a:t>3/2/2020</a:t>
             </a:fld>
             <a:endParaRPr lang="en-US" dirty="0"/>
           </a:p>
@@ -3016,7 +3016,7 @@
           <a:p>
             <a:fld id="{D82884F1-FFEA-405F-9602-3DCA865EDA4E}" type="datetime1">
               <a:rPr lang="en-US" smtClean="0"/>
-              <a:t>2/27/2020</a:t>
+              <a:t>3/2/2020</a:t>
             </a:fld>
             <a:endParaRPr lang="en-US" dirty="0"/>
           </a:p>
@@ -3339,7 +3339,7 @@
           <a:p>
             <a:fld id="{7E18DB4A-8810-4A10-AD5C-D5E2C667F5B3}" type="datetime1">
               <a:rPr lang="en-US" smtClean="0"/>
-              <a:t>2/27/2020</a:t>
+              <a:t>3/2/2020</a:t>
             </a:fld>
             <a:endParaRPr lang="en-US" dirty="0"/>
           </a:p>
@@ -3583,7 +3583,7 @@
           <a:p>
             <a:fld id="{ED291B17-9318-49DB-B28B-6E5994AE9581}" type="datetime1">
               <a:rPr lang="en-US" smtClean="0"/>
-              <a:t>2/27/2020</a:t>
+              <a:t>3/2/2020</a:t>
             </a:fld>
             <a:endParaRPr lang="en-US" dirty="0"/>
           </a:p>
@@ -6594,7 +6594,7 @@
           <p:nvPr>
             <p:extLst>
               <p:ext uri="{D42A27DB-BD31-4B8C-83A1-F6EECF244321}">
-                <p14:modId xmlns:p14="http://schemas.microsoft.com/office/powerpoint/2010/main" val="3721592241"/>
+                <p14:modId xmlns:p14="http://schemas.microsoft.com/office/powerpoint/2010/main" val="3680365735"/>
               </p:ext>
             </p:extLst>
           </p:nvPr>
@@ -6753,15 +6753,7 @@
                       <a:pPr algn="ctr"/>
                       <a:r>
                         <a:rPr lang="en-US" sz="1400" dirty="0"/>
-                        <a:t>Lee Hill Series Vol. 5 – Belgian Style </a:t>
-                      </a:r>
-                      <a:r>
-                        <a:rPr lang="en-US" sz="1400" dirty="0" err="1"/>
-                        <a:t>Quadrupel</a:t>
-                      </a:r>
-                      <a:r>
-                        <a:rPr lang="en-US" sz="1400" dirty="0"/>
-                        <a:t> Ale</a:t>
+                        <a:t>Lee Hill Series Vol. 5 – Belgian Style Quadruple Ale</a:t>
                       </a:r>
                     </a:p>
                   </a:txBody>

--- a/Budweiser Data Analysis_Final_Paul Huggins.pptx
+++ b/Budweiser Data Analysis_Final_Paul Huggins.pptx
@@ -361,7 +361,7 @@
           <a:p>
             <a:fld id="{ED291B17-9318-49DB-B28B-6E5994AE9581}" type="datetime1">
               <a:rPr lang="en-US" smtClean="0"/>
-              <a:t>3/2/2020</a:t>
+              <a:t>3/4/2020</a:t>
             </a:fld>
             <a:endParaRPr lang="en-US" dirty="0"/>
           </a:p>
@@ -594,7 +594,7 @@
           <a:p>
             <a:fld id="{2CED4963-E985-44C4-B8C4-FDD613B7C2F8}" type="datetime1">
               <a:rPr lang="en-US" smtClean="0"/>
-              <a:t>3/2/2020</a:t>
+              <a:t>3/4/2020</a:t>
             </a:fld>
             <a:endParaRPr lang="en-US" dirty="0"/>
           </a:p>
@@ -986,7 +986,7 @@
           <a:p>
             <a:fld id="{ED291B17-9318-49DB-B28B-6E5994AE9581}" type="datetime1">
               <a:rPr lang="en-US" smtClean="0"/>
-              <a:t>3/2/2020</a:t>
+              <a:t>3/4/2020</a:t>
             </a:fld>
             <a:endParaRPr lang="en-US" dirty="0"/>
           </a:p>
@@ -1214,7 +1214,7 @@
           <a:p>
             <a:fld id="{78DD82B9-B8EE-4375-B6FF-88FA6ABB15D9}" type="datetime1">
               <a:rPr lang="en-US" smtClean="0"/>
-              <a:t>3/2/2020</a:t>
+              <a:t>3/4/2020</a:t>
             </a:fld>
             <a:endParaRPr lang="en-US" dirty="0"/>
           </a:p>
@@ -1556,7 +1556,7 @@
           <a:p>
             <a:fld id="{B2497495-0637-405E-AE64-5CC7506D51F5}" type="datetime1">
               <a:rPr lang="en-US" smtClean="0"/>
-              <a:t>3/2/2020</a:t>
+              <a:t>3/4/2020</a:t>
             </a:fld>
             <a:endParaRPr lang="en-US" dirty="0"/>
           </a:p>
@@ -1879,7 +1879,7 @@
           <a:p>
             <a:fld id="{7BFFD690-9426-415D-8B65-26881E07B2D4}" type="datetime1">
               <a:rPr lang="en-US" smtClean="0"/>
-              <a:t>3/2/2020</a:t>
+              <a:t>3/4/2020</a:t>
             </a:fld>
             <a:endParaRPr lang="en-US" dirty="0"/>
           </a:p>
@@ -2331,7 +2331,7 @@
           <a:p>
             <a:fld id="{04C4989A-474C-40DE-95B9-011C28B71673}" type="datetime1">
               <a:rPr lang="en-US" smtClean="0"/>
-              <a:t>3/2/2020</a:t>
+              <a:t>3/4/2020</a:t>
             </a:fld>
             <a:endParaRPr lang="en-US" dirty="0"/>
           </a:p>
@@ -2484,7 +2484,7 @@
           <a:p>
             <a:fld id="{5DB4ED54-5B5E-4A04-93D3-5772E3CE3818}" type="datetime1">
               <a:rPr lang="en-US" smtClean="0"/>
-              <a:t>3/2/2020</a:t>
+              <a:t>3/4/2020</a:t>
             </a:fld>
             <a:endParaRPr lang="en-US" dirty="0"/>
           </a:p>
@@ -2609,7 +2609,7 @@
           <a:p>
             <a:fld id="{4EDE50D6-574B-40AF-946F-D52A04ADE379}" type="datetime1">
               <a:rPr lang="en-US" smtClean="0"/>
-              <a:t>3/2/2020</a:t>
+              <a:t>3/4/2020</a:t>
             </a:fld>
             <a:endParaRPr lang="en-US" dirty="0"/>
           </a:p>
@@ -3016,7 +3016,7 @@
           <a:p>
             <a:fld id="{D82884F1-FFEA-405F-9602-3DCA865EDA4E}" type="datetime1">
               <a:rPr lang="en-US" smtClean="0"/>
-              <a:t>3/2/2020</a:t>
+              <a:t>3/4/2020</a:t>
             </a:fld>
             <a:endParaRPr lang="en-US" dirty="0"/>
           </a:p>
@@ -3339,7 +3339,7 @@
           <a:p>
             <a:fld id="{7E18DB4A-8810-4A10-AD5C-D5E2C667F5B3}" type="datetime1">
               <a:rPr lang="en-US" smtClean="0"/>
-              <a:t>3/2/2020</a:t>
+              <a:t>3/4/2020</a:t>
             </a:fld>
             <a:endParaRPr lang="en-US" dirty="0"/>
           </a:p>
@@ -3583,7 +3583,7 @@
           <a:p>
             <a:fld id="{ED291B17-9318-49DB-B28B-6E5994AE9581}" type="datetime1">
               <a:rPr lang="en-US" smtClean="0"/>
-              <a:t>3/2/2020</a:t>
+              <a:t>3/4/2020</a:t>
             </a:fld>
             <a:endParaRPr lang="en-US" dirty="0"/>
           </a:p>
@@ -4520,25 +4520,19 @@
             </a:r>
             <a:r>
               <a:rPr lang="en-US" dirty="0"/>
-              <a:t> model to predict the style of beer (Ale or IPA) based on what the ABV and IBU values were for that beer.</a:t>
+              <a:t> model to predict the style of beer (Ale or IPA) based on what the ABV and IBU values.</a:t>
             </a:r>
           </a:p>
           <a:p>
             <a:r>
               <a:rPr lang="en-US" dirty="0"/>
-              <a:t>The model correctly predicted the type of beer ~79% of the time.</a:t>
+              <a:t>The model correctly predicted the type of beer ~77% of the time.</a:t>
             </a:r>
           </a:p>
           <a:p>
             <a:r>
               <a:rPr lang="en-US" dirty="0"/>
-              <a:t>With 95% certainty, we believe that the model has an accuracy range between 75% to 83%.</a:t>
-            </a:r>
-          </a:p>
-          <a:p>
-            <a:r>
-              <a:rPr lang="en-US" dirty="0"/>
-              <a:t>If there were more numeric variables available (not including Ounces) we would expect the accuracy to increase given that the model would be using more predictors.</a:t>
+              <a:t>With 95% certainty, we believe that the model will have an accuracy range between 73% to 81%.</a:t>
             </a:r>
           </a:p>
         </p:txBody>
@@ -5721,7 +5715,11 @@
             </a:pPr>
             <a:r>
               <a:rPr lang="en-US" dirty="0"/>
-              <a:t>Is there an apparent relationship between the bitterness of the beer and its alcoholic content? Draw a scatter plot.  </a:t>
+              <a:t>Is there an apparent relationship between the bitterness of the beer and its alcoholic content</a:t>
+            </a:r>
+            <a:r>
+              <a:rPr lang="en-US"/>
+              <a:t>? </a:t>
             </a:r>
           </a:p>
           <a:p>
@@ -5729,8 +5727,12 @@
               <a:buAutoNum type="arabicPeriod" startAt="6"/>
             </a:pPr>
             <a:r>
+              <a:rPr lang="en-US"/>
+              <a:t>Investigate </a:t>
+            </a:r>
+            <a:r>
               <a:rPr lang="en-US" dirty="0"/>
-              <a:t>Investigate the different with respect to IBU and ABV between IPA’s and Ale.</a:t>
+              <a:t>the difference with respect to IBU and ABV between IPA’s and Ale.</a:t>
             </a:r>
           </a:p>
           <a:p>
